--- a/Documentation/Презентация ITime Last Version.pptx
+++ b/Documentation/Презентация ITime Last Version.pptx
@@ -26,7 +26,7 @@
     <p:sldId id="271" r:id="rId17"/>
     <p:sldId id="278" r:id="rId18"/>
     <p:sldId id="272" r:id="rId19"/>
-    <p:sldId id="276" r:id="rId20"/>
+    <p:sldId id="282" r:id="rId20"/>
   </p:sldIdLst>
   <p:sldSz cx="9144000" cy="6858000" type="screen4x3"/>
   <p:notesSz cx="6858000" cy="9144000"/>
@@ -3641,7 +3641,7 @@
           <a:p>
             <a:r>
               <a:rPr lang="ru-RU" dirty="0"/>
-              <a:t>Кафедра Обработки Изображения и Машинного Обучения</a:t>
+              <a:t>Кафедра технологий обработки и защиты информации</a:t>
             </a:r>
           </a:p>
         </p:txBody>
@@ -5014,7 +5014,7 @@
           <a:p>
             <a:r>
               <a:rPr lang="ru-RU" dirty="0"/>
-              <a:t>Кафедра Обработки Изображения и Машинного Обучения</a:t>
+              <a:t>Кафедра технологий обработки и защиты информации</a:t>
             </a:r>
           </a:p>
         </p:txBody>
@@ -5057,7 +5057,7 @@
     </p:spTree>
     <p:extLst>
       <p:ext uri="{BB962C8B-B14F-4D97-AF65-F5344CB8AC3E}">
-        <p14:creationId xmlns:p14="http://schemas.microsoft.com/office/powerpoint/2010/main" val="2601255522"/>
+        <p14:creationId xmlns:p14="http://schemas.microsoft.com/office/powerpoint/2010/main" val="2137690908"/>
       </p:ext>
     </p:extLst>
   </p:cSld>
@@ -6592,10 +6592,10 @@
       </p:sp>
       <p:pic>
         <p:nvPicPr>
-          <p:cNvPr id="2050" name="Picture 2">
+          <p:cNvPr id="1026" name="Picture 2">
             <a:extLst>
               <a:ext uri="{FF2B5EF4-FFF2-40B4-BE49-F238E27FC236}">
-                <a16:creationId xmlns:a16="http://schemas.microsoft.com/office/drawing/2014/main" id="{F63E396C-BE67-4EE5-B826-22F556A0FDEF}"/>
+                <a16:creationId xmlns:a16="http://schemas.microsoft.com/office/drawing/2014/main" id="{1CAF3E12-B450-487B-80F5-D675EE1184F6}"/>
               </a:ext>
             </a:extLst>
           </p:cNvPr>
@@ -6604,7 +6604,7 @@
           </p:cNvPicPr>
           <p:nvPr/>
         </p:nvPicPr>
-        <p:blipFill>
+        <p:blipFill rotWithShape="1">
           <a:blip r:embed="rId2">
             <a:extLst>
               <a:ext uri="{28A0092B-C50C-407E-A947-70E740481C1C}">
@@ -6612,15 +6612,13 @@
               </a:ext>
             </a:extLst>
           </a:blip>
-          <a:srcRect/>
-          <a:stretch>
-            <a:fillRect/>
-          </a:stretch>
+          <a:srcRect t="20671" b="17450"/>
+          <a:stretch/>
         </p:blipFill>
         <p:spPr bwMode="auto">
           <a:xfrm>
-            <a:off x="762000" y="2538413"/>
-            <a:ext cx="7620000" cy="1781175"/>
+            <a:off x="1143000" y="1741653"/>
+            <a:ext cx="6858000" cy="4243610"/>
           </a:xfrm>
           <a:prstGeom prst="rect">
             <a:avLst/>

--- a/Documentation/Презентация ITime Last Version.pptx
+++ b/Documentation/Презентация ITime Last Version.pptx
@@ -5,7 +5,7 @@
     <p:sldMasterId id="2147483708" r:id="rId1"/>
   </p:sldMasterIdLst>
   <p:notesMasterIdLst>
-    <p:notesMasterId r:id="rId21"/>
+    <p:notesMasterId r:id="rId23"/>
   </p:notesMasterIdLst>
   <p:sldIdLst>
     <p:sldId id="256" r:id="rId2"/>
@@ -17,16 +17,18 @@
     <p:sldId id="262" r:id="rId8"/>
     <p:sldId id="281" r:id="rId9"/>
     <p:sldId id="280" r:id="rId10"/>
-    <p:sldId id="265" r:id="rId11"/>
-    <p:sldId id="267" r:id="rId12"/>
-    <p:sldId id="277" r:id="rId13"/>
-    <p:sldId id="268" r:id="rId14"/>
-    <p:sldId id="269" r:id="rId15"/>
-    <p:sldId id="270" r:id="rId16"/>
-    <p:sldId id="271" r:id="rId17"/>
-    <p:sldId id="278" r:id="rId18"/>
-    <p:sldId id="272" r:id="rId19"/>
-    <p:sldId id="282" r:id="rId20"/>
+    <p:sldId id="283" r:id="rId11"/>
+    <p:sldId id="284" r:id="rId12"/>
+    <p:sldId id="265" r:id="rId13"/>
+    <p:sldId id="267" r:id="rId14"/>
+    <p:sldId id="277" r:id="rId15"/>
+    <p:sldId id="268" r:id="rId16"/>
+    <p:sldId id="269" r:id="rId17"/>
+    <p:sldId id="270" r:id="rId18"/>
+    <p:sldId id="271" r:id="rId19"/>
+    <p:sldId id="278" r:id="rId20"/>
+    <p:sldId id="272" r:id="rId21"/>
+    <p:sldId id="282" r:id="rId22"/>
   </p:sldIdLst>
   <p:sldSz cx="9144000" cy="6858000" type="screen4x3"/>
   <p:notesSz cx="6858000" cy="9144000"/>
@@ -226,7 +228,7 @@
           <a:p>
             <a:fld id="{E128E8FD-7D7D-470B-B071-88B41A4769B7}" type="datetimeFigureOut">
               <a:rPr lang="ru-RU" smtClean="0"/>
-              <a:t>18.06.2021</a:t>
+              <a:t>20.06.2021</a:t>
             </a:fld>
             <a:endParaRPr lang="ru-RU"/>
           </a:p>
@@ -558,7 +560,7 @@
           <a:p>
             <a:fld id="{1D0CE3C0-14D4-4F86-BE17-0A3CA44EEF0F}" type="slidenum">
               <a:rPr lang="ru-RU" smtClean="0"/>
-              <a:t>18</a:t>
+              <a:t>20</a:t>
             </a:fld>
             <a:endParaRPr lang="ru-RU"/>
           </a:p>
@@ -756,7 +758,7 @@
           <a:p>
             <a:fld id="{DCA4523B-364D-4354-970A-2D0D2A47CAE6}" type="datetime1">
               <a:rPr lang="ru-RU" smtClean="0"/>
-              <a:t>18.06.2021</a:t>
+              <a:t>20.06.2021</a:t>
             </a:fld>
             <a:endParaRPr lang="ru-RU"/>
           </a:p>
@@ -924,7 +926,7 @@
           <a:p>
             <a:fld id="{88B3D325-CB3C-4598-A3DB-B9A1552B6E7E}" type="datetime1">
               <a:rPr lang="ru-RU" smtClean="0"/>
-              <a:t>18.06.2021</a:t>
+              <a:t>20.06.2021</a:t>
             </a:fld>
             <a:endParaRPr lang="ru-RU"/>
           </a:p>
@@ -1102,7 +1104,7 @@
           <a:p>
             <a:fld id="{20E4FBB0-C510-480E-B17F-5ADBABB4E36D}" type="datetime1">
               <a:rPr lang="ru-RU" smtClean="0"/>
-              <a:t>18.06.2021</a:t>
+              <a:t>20.06.2021</a:t>
             </a:fld>
             <a:endParaRPr lang="ru-RU"/>
           </a:p>
@@ -1270,7 +1272,7 @@
           <a:p>
             <a:fld id="{37C21566-FC6C-4A43-9984-75BF2361931E}" type="datetime1">
               <a:rPr lang="ru-RU" smtClean="0"/>
-              <a:t>18.06.2021</a:t>
+              <a:t>20.06.2021</a:t>
             </a:fld>
             <a:endParaRPr lang="ru-RU"/>
           </a:p>
@@ -1515,7 +1517,7 @@
           <a:p>
             <a:fld id="{F4A89A62-D8DC-4C17-B2BB-52F6DF467CB9}" type="datetime1">
               <a:rPr lang="ru-RU" smtClean="0"/>
-              <a:t>18.06.2021</a:t>
+              <a:t>20.06.2021</a:t>
             </a:fld>
             <a:endParaRPr lang="ru-RU"/>
           </a:p>
@@ -1800,7 +1802,7 @@
           <a:p>
             <a:fld id="{C03F5350-2F9F-4ED0-A776-8F50F6B003D1}" type="datetime1">
               <a:rPr lang="ru-RU" smtClean="0"/>
-              <a:t>18.06.2021</a:t>
+              <a:t>20.06.2021</a:t>
             </a:fld>
             <a:endParaRPr lang="ru-RU"/>
           </a:p>
@@ -2219,7 +2221,7 @@
           <a:p>
             <a:fld id="{FA815872-189F-435B-8845-22B62BD1728A}" type="datetime1">
               <a:rPr lang="ru-RU" smtClean="0"/>
-              <a:t>18.06.2021</a:t>
+              <a:t>20.06.2021</a:t>
             </a:fld>
             <a:endParaRPr lang="ru-RU"/>
           </a:p>
@@ -2336,7 +2338,7 @@
           <a:p>
             <a:fld id="{B511E79E-B6A1-4ECE-930B-2A1CE334C40A}" type="datetime1">
               <a:rPr lang="ru-RU" smtClean="0"/>
-              <a:t>18.06.2021</a:t>
+              <a:t>20.06.2021</a:t>
             </a:fld>
             <a:endParaRPr lang="ru-RU"/>
           </a:p>
@@ -2431,7 +2433,7 @@
           <a:p>
             <a:fld id="{6B8E8384-7612-4385-B2FF-90A9A02E34A7}" type="datetime1">
               <a:rPr lang="ru-RU" smtClean="0"/>
-              <a:t>18.06.2021</a:t>
+              <a:t>20.06.2021</a:t>
             </a:fld>
             <a:endParaRPr lang="ru-RU"/>
           </a:p>
@@ -2706,7 +2708,7 @@
           <a:p>
             <a:fld id="{8E35CCC5-72D8-4C41-A569-16CACACCC1BF}" type="datetime1">
               <a:rPr lang="ru-RU" smtClean="0"/>
-              <a:t>18.06.2021</a:t>
+              <a:t>20.06.2021</a:t>
             </a:fld>
             <a:endParaRPr lang="ru-RU"/>
           </a:p>
@@ -2958,7 +2960,7 @@
           <a:p>
             <a:fld id="{0734A46B-6AAA-4B6A-9A6D-EE25836EC801}" type="datetime1">
               <a:rPr lang="ru-RU" smtClean="0"/>
-              <a:t>18.06.2021</a:t>
+              <a:t>20.06.2021</a:t>
             </a:fld>
             <a:endParaRPr lang="ru-RU"/>
           </a:p>
@@ -3169,7 +3171,7 @@
           <a:p>
             <a:fld id="{018C353A-A66C-47AC-A92B-6CA49C6F0ED9}" type="datetime1">
               <a:rPr lang="ru-RU" smtClean="0"/>
-              <a:t>18.06.2021</a:t>
+              <a:t>20.06.2021</a:t>
             </a:fld>
             <a:endParaRPr lang="ru-RU"/>
           </a:p>
@@ -3713,6 +3715,274 @@
       </p:grpSpPr>
       <p:sp>
         <p:nvSpPr>
+          <p:cNvPr id="2" name="Заголовок 1">
+            <a:extLst>
+              <a:ext uri="{FF2B5EF4-FFF2-40B4-BE49-F238E27FC236}">
+                <a16:creationId xmlns:a16="http://schemas.microsoft.com/office/drawing/2014/main" id="{07C8CF42-E92F-43B0-9B80-3005231D4B16}"/>
+              </a:ext>
+            </a:extLst>
+          </p:cNvPr>
+          <p:cNvSpPr>
+            <a:spLocks noGrp="1"/>
+          </p:cNvSpPr>
+          <p:nvPr>
+            <p:ph type="title"/>
+          </p:nvPr>
+        </p:nvSpPr>
+        <p:spPr/>
+        <p:txBody>
+          <a:bodyPr/>
+          <a:lstStyle/>
+          <a:p>
+            <a:r>
+              <a:rPr lang="ru-RU" dirty="0"/>
+              <a:t>Воронки конверсий</a:t>
+            </a:r>
+          </a:p>
+        </p:txBody>
+      </p:sp>
+      <p:sp>
+        <p:nvSpPr>
+          <p:cNvPr id="3" name="Номер слайда 2">
+            <a:extLst>
+              <a:ext uri="{FF2B5EF4-FFF2-40B4-BE49-F238E27FC236}">
+                <a16:creationId xmlns:a16="http://schemas.microsoft.com/office/drawing/2014/main" id="{8B76B6C4-A58A-437F-B497-6B73D9FC6896}"/>
+              </a:ext>
+            </a:extLst>
+          </p:cNvPr>
+          <p:cNvSpPr>
+            <a:spLocks noGrp="1"/>
+          </p:cNvSpPr>
+          <p:nvPr>
+            <p:ph type="sldNum" sz="quarter" idx="12"/>
+          </p:nvPr>
+        </p:nvSpPr>
+        <p:spPr/>
+        <p:txBody>
+          <a:bodyPr/>
+          <a:lstStyle/>
+          <a:p>
+            <a:fld id="{3BC66433-80E7-4A65-960F-4358DEF65F03}" type="slidenum">
+              <a:rPr lang="ru-RU" smtClean="0"/>
+              <a:t>10</a:t>
+            </a:fld>
+            <a:endParaRPr lang="ru-RU"/>
+          </a:p>
+        </p:txBody>
+      </p:sp>
+      <p:pic>
+        <p:nvPicPr>
+          <p:cNvPr id="3074" name="Picture 2">
+            <a:extLst>
+              <a:ext uri="{FF2B5EF4-FFF2-40B4-BE49-F238E27FC236}">
+                <a16:creationId xmlns:a16="http://schemas.microsoft.com/office/drawing/2014/main" id="{75A65F01-F7E1-44DC-ADB2-67873E3FC933}"/>
+              </a:ext>
+            </a:extLst>
+          </p:cNvPr>
+          <p:cNvPicPr>
+            <a:picLocks noChangeAspect="1" noChangeArrowheads="1"/>
+          </p:cNvPicPr>
+          <p:nvPr/>
+        </p:nvPicPr>
+        <p:blipFill>
+          <a:blip r:embed="rId2">
+            <a:extLst>
+              <a:ext uri="{28A0092B-C50C-407E-A947-70E740481C1C}">
+                <a14:useLocalDpi xmlns:a14="http://schemas.microsoft.com/office/drawing/2010/main" val="0"/>
+              </a:ext>
+            </a:extLst>
+          </a:blip>
+          <a:srcRect/>
+          <a:stretch>
+            <a:fillRect/>
+          </a:stretch>
+        </p:blipFill>
+        <p:spPr bwMode="auto">
+          <a:xfrm>
+            <a:off x="0" y="1325563"/>
+            <a:ext cx="9144000" cy="4206875"/>
+          </a:xfrm>
+          <a:prstGeom prst="rect">
+            <a:avLst/>
+          </a:prstGeom>
+          <a:noFill/>
+          <a:extLst>
+            <a:ext uri="{909E8E84-426E-40DD-AFC4-6F175D3DCCD1}">
+              <a14:hiddenFill xmlns:a14="http://schemas.microsoft.com/office/drawing/2010/main">
+                <a:solidFill>
+                  <a:srgbClr val="FFFFFF"/>
+                </a:solidFill>
+              </a14:hiddenFill>
+            </a:ext>
+          </a:extLst>
+        </p:spPr>
+      </p:pic>
+    </p:spTree>
+    <p:extLst>
+      <p:ext uri="{BB962C8B-B14F-4D97-AF65-F5344CB8AC3E}">
+        <p14:creationId xmlns:p14="http://schemas.microsoft.com/office/powerpoint/2010/main" val="1524967257"/>
+      </p:ext>
+    </p:extLst>
+  </p:cSld>
+  <p:clrMapOvr>
+    <a:masterClrMapping/>
+  </p:clrMapOvr>
+</p:sld>
+</file>
+
+<file path=ppt/slides/slide11.xml><?xml version="1.0" encoding="utf-8"?>
+<p:sld xmlns:a="http://schemas.openxmlformats.org/drawingml/2006/main" xmlns:r="http://schemas.openxmlformats.org/officeDocument/2006/relationships" xmlns:p="http://schemas.openxmlformats.org/presentationml/2006/main">
+  <p:cSld>
+    <p:spTree>
+      <p:nvGrpSpPr>
+        <p:cNvPr id="1" name=""/>
+        <p:cNvGrpSpPr/>
+        <p:nvPr/>
+      </p:nvGrpSpPr>
+      <p:grpSpPr>
+        <a:xfrm>
+          <a:off x="0" y="0"/>
+          <a:ext cx="0" cy="0"/>
+          <a:chOff x="0" y="0"/>
+          <a:chExt cx="0" cy="0"/>
+        </a:xfrm>
+      </p:grpSpPr>
+      <p:sp>
+        <p:nvSpPr>
+          <p:cNvPr id="2" name="Заголовок 1">
+            <a:extLst>
+              <a:ext uri="{FF2B5EF4-FFF2-40B4-BE49-F238E27FC236}">
+                <a16:creationId xmlns:a16="http://schemas.microsoft.com/office/drawing/2014/main" id="{07C8CF42-E92F-43B0-9B80-3005231D4B16}"/>
+              </a:ext>
+            </a:extLst>
+          </p:cNvPr>
+          <p:cNvSpPr>
+            <a:spLocks noGrp="1"/>
+          </p:cNvSpPr>
+          <p:nvPr>
+            <p:ph type="title"/>
+          </p:nvPr>
+        </p:nvSpPr>
+        <p:spPr/>
+        <p:txBody>
+          <a:bodyPr/>
+          <a:lstStyle/>
+          <a:p>
+            <a:r>
+              <a:rPr lang="ru-RU" dirty="0"/>
+              <a:t>Воронки конверсий</a:t>
+            </a:r>
+          </a:p>
+        </p:txBody>
+      </p:sp>
+      <p:sp>
+        <p:nvSpPr>
+          <p:cNvPr id="3" name="Номер слайда 2">
+            <a:extLst>
+              <a:ext uri="{FF2B5EF4-FFF2-40B4-BE49-F238E27FC236}">
+                <a16:creationId xmlns:a16="http://schemas.microsoft.com/office/drawing/2014/main" id="{8B76B6C4-A58A-437F-B497-6B73D9FC6896}"/>
+              </a:ext>
+            </a:extLst>
+          </p:cNvPr>
+          <p:cNvSpPr>
+            <a:spLocks noGrp="1"/>
+          </p:cNvSpPr>
+          <p:nvPr>
+            <p:ph type="sldNum" sz="quarter" idx="12"/>
+          </p:nvPr>
+        </p:nvSpPr>
+        <p:spPr/>
+        <p:txBody>
+          <a:bodyPr/>
+          <a:lstStyle/>
+          <a:p>
+            <a:fld id="{3BC66433-80E7-4A65-960F-4358DEF65F03}" type="slidenum">
+              <a:rPr lang="ru-RU" smtClean="0"/>
+              <a:t>11</a:t>
+            </a:fld>
+            <a:endParaRPr lang="ru-RU"/>
+          </a:p>
+        </p:txBody>
+      </p:sp>
+      <p:pic>
+        <p:nvPicPr>
+          <p:cNvPr id="2050" name="Picture 2">
+            <a:extLst>
+              <a:ext uri="{FF2B5EF4-FFF2-40B4-BE49-F238E27FC236}">
+                <a16:creationId xmlns:a16="http://schemas.microsoft.com/office/drawing/2014/main" id="{9CB5FCCB-FFC8-4311-8B22-4BB7C56FE44D}"/>
+              </a:ext>
+            </a:extLst>
+          </p:cNvPr>
+          <p:cNvPicPr>
+            <a:picLocks noChangeAspect="1" noChangeArrowheads="1"/>
+          </p:cNvPicPr>
+          <p:nvPr/>
+        </p:nvPicPr>
+        <p:blipFill>
+          <a:blip r:embed="rId2">
+            <a:extLst>
+              <a:ext uri="{28A0092B-C50C-407E-A947-70E740481C1C}">
+                <a14:useLocalDpi xmlns:a14="http://schemas.microsoft.com/office/drawing/2010/main" val="0"/>
+              </a:ext>
+            </a:extLst>
+          </a:blip>
+          <a:srcRect/>
+          <a:stretch>
+            <a:fillRect/>
+          </a:stretch>
+        </p:blipFill>
+        <p:spPr bwMode="auto">
+          <a:xfrm>
+            <a:off x="0" y="1911350"/>
+            <a:ext cx="9144000" cy="3033713"/>
+          </a:xfrm>
+          <a:prstGeom prst="rect">
+            <a:avLst/>
+          </a:prstGeom>
+          <a:noFill/>
+          <a:extLst>
+            <a:ext uri="{909E8E84-426E-40DD-AFC4-6F175D3DCCD1}">
+              <a14:hiddenFill xmlns:a14="http://schemas.microsoft.com/office/drawing/2010/main">
+                <a:solidFill>
+                  <a:srgbClr val="FFFFFF"/>
+                </a:solidFill>
+              </a14:hiddenFill>
+            </a:ext>
+          </a:extLst>
+        </p:spPr>
+      </p:pic>
+    </p:spTree>
+    <p:extLst>
+      <p:ext uri="{BB962C8B-B14F-4D97-AF65-F5344CB8AC3E}">
+        <p14:creationId xmlns:p14="http://schemas.microsoft.com/office/powerpoint/2010/main" val="3580354585"/>
+      </p:ext>
+    </p:extLst>
+  </p:cSld>
+  <p:clrMapOvr>
+    <a:masterClrMapping/>
+  </p:clrMapOvr>
+</p:sld>
+</file>
+
+<file path=ppt/slides/slide12.xml><?xml version="1.0" encoding="utf-8"?>
+<p:sld xmlns:a="http://schemas.openxmlformats.org/drawingml/2006/main" xmlns:r="http://schemas.openxmlformats.org/officeDocument/2006/relationships" xmlns:p="http://schemas.openxmlformats.org/presentationml/2006/main">
+  <p:cSld>
+    <p:spTree>
+      <p:nvGrpSpPr>
+        <p:cNvPr id="1" name=""/>
+        <p:cNvGrpSpPr/>
+        <p:nvPr/>
+      </p:nvGrpSpPr>
+      <p:grpSpPr>
+        <a:xfrm>
+          <a:off x="0" y="0"/>
+          <a:ext cx="0" cy="0"/>
+          <a:chOff x="0" y="0"/>
+          <a:chExt cx="0" cy="0"/>
+        </a:xfrm>
+      </p:grpSpPr>
+      <p:sp>
+        <p:nvSpPr>
           <p:cNvPr id="2" name="Заголовок 1"/>
           <p:cNvSpPr>
             <a:spLocks noGrp="1"/>
@@ -3763,7 +4033,7 @@
                   <a:schemeClr val="tx1"/>
                 </a:solidFill>
               </a:rPr>
-              <a:t>10</a:t>
+              <a:t>12</a:t>
             </a:fld>
             <a:endParaRPr lang="ru-RU" sz="2000" dirty="0">
               <a:solidFill>
@@ -3833,7 +4103,7 @@
 </p:sld>
 </file>
 
-<file path=ppt/slides/slide11.xml><?xml version="1.0" encoding="utf-8"?>
+<file path=ppt/slides/slide13.xml><?xml version="1.0" encoding="utf-8"?>
 <p:sld xmlns:a="http://schemas.openxmlformats.org/drawingml/2006/main" xmlns:r="http://schemas.openxmlformats.org/officeDocument/2006/relationships" xmlns:p="http://schemas.openxmlformats.org/presentationml/2006/main">
   <p:cSld>
     <p:spTree>
@@ -3893,7 +4163,7 @@
                   <a:schemeClr val="tx1"/>
                 </a:solidFill>
               </a:rPr>
-              <a:t>11</a:t>
+              <a:t>13</a:t>
             </a:fld>
             <a:endParaRPr lang="ru-RU" dirty="0">
               <a:solidFill>
@@ -3963,7 +4233,7 @@
 </p:sld>
 </file>
 
-<file path=ppt/slides/slide12.xml><?xml version="1.0" encoding="utf-8"?>
+<file path=ppt/slides/slide14.xml><?xml version="1.0" encoding="utf-8"?>
 <p:sld xmlns:a="http://schemas.openxmlformats.org/drawingml/2006/main" xmlns:r="http://schemas.openxmlformats.org/officeDocument/2006/relationships" xmlns:p="http://schemas.openxmlformats.org/presentationml/2006/main">
   <p:cSld>
     <p:spTree>
@@ -4023,7 +4293,7 @@
                   <a:schemeClr val="tx1"/>
                 </a:solidFill>
               </a:rPr>
-              <a:t>12</a:t>
+              <a:t>14</a:t>
             </a:fld>
             <a:endParaRPr lang="ru-RU" dirty="0">
               <a:solidFill>
@@ -4080,7 +4350,7 @@
 </p:sld>
 </file>
 
-<file path=ppt/slides/slide13.xml><?xml version="1.0" encoding="utf-8"?>
+<file path=ppt/slides/slide15.xml><?xml version="1.0" encoding="utf-8"?>
 <p:sld xmlns:a="http://schemas.openxmlformats.org/drawingml/2006/main" xmlns:r="http://schemas.openxmlformats.org/officeDocument/2006/relationships" xmlns:p="http://schemas.openxmlformats.org/presentationml/2006/main">
   <p:cSld>
     <p:spTree>
@@ -4140,7 +4410,7 @@
                   <a:schemeClr val="tx1"/>
                 </a:solidFill>
               </a:rPr>
-              <a:t>13</a:t>
+              <a:t>15</a:t>
             </a:fld>
             <a:endParaRPr lang="ru-RU" sz="2000" dirty="0">
               <a:solidFill>
@@ -4210,7 +4480,7 @@
 </p:sld>
 </file>
 
-<file path=ppt/slides/slide14.xml><?xml version="1.0" encoding="utf-8"?>
+<file path=ppt/slides/slide16.xml><?xml version="1.0" encoding="utf-8"?>
 <p:sld xmlns:a="http://schemas.openxmlformats.org/drawingml/2006/main" xmlns:r="http://schemas.openxmlformats.org/officeDocument/2006/relationships" xmlns:p="http://schemas.openxmlformats.org/presentationml/2006/main">
   <p:cSld>
     <p:spTree>
@@ -4270,7 +4540,7 @@
                   <a:schemeClr val="tx1"/>
                 </a:solidFill>
               </a:rPr>
-              <a:t>14</a:t>
+              <a:t>16</a:t>
             </a:fld>
             <a:endParaRPr lang="ru-RU" sz="2000" dirty="0">
               <a:solidFill>
@@ -4340,7 +4610,7 @@
 </p:sld>
 </file>
 
-<file path=ppt/slides/slide15.xml><?xml version="1.0" encoding="utf-8"?>
+<file path=ppt/slides/slide17.xml><?xml version="1.0" encoding="utf-8"?>
 <p:sld xmlns:a="http://schemas.openxmlformats.org/drawingml/2006/main" xmlns:r="http://schemas.openxmlformats.org/officeDocument/2006/relationships" xmlns:p="http://schemas.openxmlformats.org/presentationml/2006/main">
   <p:cSld>
     <p:spTree>
@@ -4400,7 +4670,7 @@
                   <a:schemeClr val="tx1"/>
                 </a:solidFill>
               </a:rPr>
-              <a:t>15</a:t>
+              <a:t>17</a:t>
             </a:fld>
             <a:endParaRPr lang="ru-RU" sz="2000" dirty="0">
               <a:solidFill>
@@ -4470,7 +4740,7 @@
 </p:sld>
 </file>
 
-<file path=ppt/slides/slide16.xml><?xml version="1.0" encoding="utf-8"?>
+<file path=ppt/slides/slide18.xml><?xml version="1.0" encoding="utf-8"?>
 <p:sld xmlns:a="http://schemas.openxmlformats.org/drawingml/2006/main" xmlns:r="http://schemas.openxmlformats.org/officeDocument/2006/relationships" xmlns:p="http://schemas.openxmlformats.org/presentationml/2006/main">
   <p:cSld>
     <p:spTree>
@@ -4535,7 +4805,7 @@
                   <a:schemeClr val="tx1"/>
                 </a:solidFill>
               </a:rPr>
-              <a:t>16</a:t>
+              <a:t>18</a:t>
             </a:fld>
             <a:endParaRPr lang="ru-RU" sz="2000" dirty="0">
               <a:solidFill>
@@ -4605,7 +4875,7 @@
 </p:sld>
 </file>
 
-<file path=ppt/slides/slide17.xml><?xml version="1.0" encoding="utf-8"?>
+<file path=ppt/slides/slide19.xml><?xml version="1.0" encoding="utf-8"?>
 <p:sld xmlns:a="http://schemas.openxmlformats.org/drawingml/2006/main" xmlns:r="http://schemas.openxmlformats.org/officeDocument/2006/relationships" xmlns:p="http://schemas.openxmlformats.org/presentationml/2006/main">
   <p:cSld>
     <p:spTree>
@@ -4670,7 +4940,7 @@
                   <a:schemeClr val="tx1"/>
                 </a:solidFill>
               </a:rPr>
-              <a:t>17</a:t>
+              <a:t>19</a:t>
             </a:fld>
             <a:endParaRPr lang="ru-RU" sz="2000" dirty="0">
               <a:solidFill>
@@ -4740,7 +5010,7 @@
 </p:sld>
 </file>
 
-<file path=ppt/slides/slide18.xml><?xml version="1.0" encoding="utf-8"?>
+<file path=ppt/slides/slide2.xml><?xml version="1.0" encoding="utf-8"?>
 <p:sld xmlns:a="http://schemas.openxmlformats.org/drawingml/2006/main" xmlns:r="http://schemas.openxmlformats.org/officeDocument/2006/relationships" xmlns:p="http://schemas.openxmlformats.org/presentationml/2006/main">
   <p:cSld>
     <p:spTree>
@@ -4767,6 +5037,477 @@
             <p:ph type="title"/>
           </p:nvPr>
         </p:nvSpPr>
+        <p:spPr>
+          <a:xfrm>
+            <a:off x="853174" y="116632"/>
+            <a:ext cx="7488832" cy="782960"/>
+          </a:xfrm>
+        </p:spPr>
+        <p:txBody>
+          <a:bodyPr/>
+          <a:lstStyle/>
+          <a:p>
+            <a:r>
+              <a:rPr lang="ru-RU" dirty="0"/>
+              <a:t>Распределение обязанностей</a:t>
+            </a:r>
+          </a:p>
+        </p:txBody>
+      </p:sp>
+      <p:sp>
+        <p:nvSpPr>
+          <p:cNvPr id="3" name="TextBox 2"/>
+          <p:cNvSpPr txBox="1"/>
+          <p:nvPr/>
+        </p:nvSpPr>
+        <p:spPr>
+          <a:xfrm>
+            <a:off x="101976" y="1412776"/>
+            <a:ext cx="2590774" cy="646331"/>
+          </a:xfrm>
+          <a:prstGeom prst="rect">
+            <a:avLst/>
+          </a:prstGeom>
+          <a:noFill/>
+        </p:spPr>
+        <p:txBody>
+          <a:bodyPr wrap="square" rtlCol="0">
+            <a:spAutoFit/>
+          </a:bodyPr>
+          <a:lstStyle/>
+          <a:p>
+            <a:r>
+              <a:rPr lang="ru-RU" b="1" dirty="0"/>
+              <a:t>Смирнов Александр:</a:t>
+            </a:r>
+          </a:p>
+          <a:p>
+            <a:pPr marL="285750" indent="-285750">
+              <a:buFont typeface="Arial" pitchFamily="34" charset="0"/>
+              <a:buChar char="•"/>
+            </a:pPr>
+            <a:endParaRPr lang="ru-RU" dirty="0"/>
+          </a:p>
+        </p:txBody>
+      </p:sp>
+      <p:sp>
+        <p:nvSpPr>
+          <p:cNvPr id="4" name="TextBox 3"/>
+          <p:cNvSpPr txBox="1"/>
+          <p:nvPr/>
+        </p:nvSpPr>
+        <p:spPr>
+          <a:xfrm>
+            <a:off x="53815" y="3140968"/>
+            <a:ext cx="2397772" cy="369332"/>
+          </a:xfrm>
+          <a:prstGeom prst="rect">
+            <a:avLst/>
+          </a:prstGeom>
+          <a:noFill/>
+        </p:spPr>
+        <p:txBody>
+          <a:bodyPr wrap="none" rtlCol="0">
+            <a:spAutoFit/>
+          </a:bodyPr>
+          <a:lstStyle/>
+          <a:p>
+            <a:r>
+              <a:rPr lang="ru-RU" b="1" dirty="0"/>
+              <a:t>Железной Александр:</a:t>
+            </a:r>
+          </a:p>
+        </p:txBody>
+      </p:sp>
+      <p:sp>
+        <p:nvSpPr>
+          <p:cNvPr id="5" name="TextBox 4"/>
+          <p:cNvSpPr txBox="1"/>
+          <p:nvPr/>
+        </p:nvSpPr>
+        <p:spPr>
+          <a:xfrm>
+            <a:off x="101976" y="4899969"/>
+            <a:ext cx="2041777" cy="369332"/>
+          </a:xfrm>
+          <a:prstGeom prst="rect">
+            <a:avLst/>
+          </a:prstGeom>
+          <a:noFill/>
+        </p:spPr>
+        <p:txBody>
+          <a:bodyPr wrap="none" rtlCol="0">
+            <a:spAutoFit/>
+          </a:bodyPr>
+          <a:lstStyle/>
+          <a:p>
+            <a:r>
+              <a:rPr lang="ru-RU" b="1" dirty="0"/>
+              <a:t>Шаталов Арсений:</a:t>
+            </a:r>
+          </a:p>
+        </p:txBody>
+      </p:sp>
+      <p:sp>
+        <p:nvSpPr>
+          <p:cNvPr id="6" name="TextBox 5"/>
+          <p:cNvSpPr txBox="1"/>
+          <p:nvPr/>
+        </p:nvSpPr>
+        <p:spPr>
+          <a:xfrm>
+            <a:off x="5610737" y="1344441"/>
+            <a:ext cx="2563843" cy="923330"/>
+          </a:xfrm>
+          <a:prstGeom prst="rect">
+            <a:avLst/>
+          </a:prstGeom>
+          <a:noFill/>
+        </p:spPr>
+        <p:txBody>
+          <a:bodyPr wrap="none" rtlCol="0">
+            <a:spAutoFit/>
+          </a:bodyPr>
+          <a:lstStyle/>
+          <a:p>
+            <a:pPr marL="285750" indent="-285750">
+              <a:buFont typeface="Arial" pitchFamily="34" charset="0"/>
+              <a:buChar char="•"/>
+            </a:pPr>
+            <a:r>
+              <a:rPr lang="ru-RU" dirty="0"/>
+              <a:t>Разработка</a:t>
+            </a:r>
+            <a:r>
+              <a:rPr lang="en-US" dirty="0"/>
+              <a:t> Front-end</a:t>
+            </a:r>
+            <a:endParaRPr lang="ru-RU" dirty="0"/>
+          </a:p>
+          <a:p>
+            <a:pPr marL="285750" indent="-285750">
+              <a:buFont typeface="Arial" pitchFamily="34" charset="0"/>
+              <a:buChar char="•"/>
+            </a:pPr>
+            <a:r>
+              <a:rPr lang="ru-RU" dirty="0"/>
+              <a:t>Демо-видео проекта</a:t>
+            </a:r>
+          </a:p>
+          <a:p>
+            <a:endParaRPr lang="ru-RU" dirty="0"/>
+          </a:p>
+        </p:txBody>
+      </p:sp>
+      <p:sp>
+        <p:nvSpPr>
+          <p:cNvPr id="7" name="TextBox 6"/>
+          <p:cNvSpPr txBox="1"/>
+          <p:nvPr/>
+        </p:nvSpPr>
+        <p:spPr>
+          <a:xfrm>
+            <a:off x="2425243" y="1344441"/>
+            <a:ext cx="3274743" cy="1200329"/>
+          </a:xfrm>
+          <a:prstGeom prst="rect">
+            <a:avLst/>
+          </a:prstGeom>
+          <a:noFill/>
+        </p:spPr>
+        <p:txBody>
+          <a:bodyPr wrap="none" rtlCol="0">
+            <a:spAutoFit/>
+          </a:bodyPr>
+          <a:lstStyle/>
+          <a:p>
+            <a:pPr marL="285750" indent="-285750">
+              <a:buFont typeface="Arial" pitchFamily="34" charset="0"/>
+              <a:buChar char="•"/>
+            </a:pPr>
+            <a:r>
+              <a:rPr lang="ru-RU" dirty="0"/>
+              <a:t>Анализ предметной области</a:t>
+            </a:r>
+          </a:p>
+          <a:p>
+            <a:pPr marL="285750" indent="-285750">
+              <a:buFont typeface="Arial" pitchFamily="34" charset="0"/>
+              <a:buChar char="•"/>
+            </a:pPr>
+            <a:r>
+              <a:rPr lang="ru-RU" dirty="0"/>
+              <a:t>Разработка базы данных</a:t>
+            </a:r>
+          </a:p>
+          <a:p>
+            <a:pPr marL="285750" indent="-285750">
+              <a:buFont typeface="Arial" pitchFamily="34" charset="0"/>
+              <a:buChar char="•"/>
+            </a:pPr>
+            <a:r>
+              <a:rPr lang="ru-RU" dirty="0"/>
+              <a:t>Тестирование</a:t>
+            </a:r>
+          </a:p>
+          <a:p>
+            <a:endParaRPr lang="ru-RU" dirty="0"/>
+          </a:p>
+        </p:txBody>
+      </p:sp>
+      <p:sp>
+        <p:nvSpPr>
+          <p:cNvPr id="8" name="TextBox 7"/>
+          <p:cNvSpPr txBox="1"/>
+          <p:nvPr/>
+        </p:nvSpPr>
+        <p:spPr>
+          <a:xfrm>
+            <a:off x="2452259" y="3046894"/>
+            <a:ext cx="3158478" cy="1200329"/>
+          </a:xfrm>
+          <a:prstGeom prst="rect">
+            <a:avLst/>
+          </a:prstGeom>
+          <a:noFill/>
+        </p:spPr>
+        <p:txBody>
+          <a:bodyPr wrap="square" rtlCol="0">
+            <a:spAutoFit/>
+          </a:bodyPr>
+          <a:lstStyle/>
+          <a:p>
+            <a:pPr marL="285750" indent="-285750">
+              <a:buFont typeface="Arial" pitchFamily="34" charset="0"/>
+              <a:buChar char="•"/>
+            </a:pPr>
+            <a:r>
+              <a:rPr lang="ru-RU" dirty="0"/>
+              <a:t>Техническое задание</a:t>
+            </a:r>
+          </a:p>
+          <a:p>
+            <a:pPr marL="285750" indent="-285750">
+              <a:buFont typeface="Arial" pitchFamily="34" charset="0"/>
+              <a:buChar char="•"/>
+            </a:pPr>
+            <a:r>
+              <a:rPr lang="ru-RU" dirty="0"/>
+              <a:t>Оформление курсовой</a:t>
+            </a:r>
+          </a:p>
+          <a:p>
+            <a:pPr marL="285750" indent="-285750">
+              <a:buFont typeface="Arial" pitchFamily="34" charset="0"/>
+              <a:buChar char="•"/>
+            </a:pPr>
+            <a:r>
+              <a:rPr lang="ru-RU" dirty="0"/>
+              <a:t>Текст курсовой работы</a:t>
+            </a:r>
+          </a:p>
+          <a:p>
+            <a:endParaRPr lang="ru-RU" dirty="0"/>
+          </a:p>
+        </p:txBody>
+      </p:sp>
+      <p:sp>
+        <p:nvSpPr>
+          <p:cNvPr id="9" name="TextBox 8"/>
+          <p:cNvSpPr txBox="1"/>
+          <p:nvPr/>
+        </p:nvSpPr>
+        <p:spPr>
+          <a:xfrm>
+            <a:off x="5633444" y="3046894"/>
+            <a:ext cx="2590774" cy="923330"/>
+          </a:xfrm>
+          <a:prstGeom prst="rect">
+            <a:avLst/>
+          </a:prstGeom>
+          <a:noFill/>
+        </p:spPr>
+        <p:txBody>
+          <a:bodyPr wrap="none" rtlCol="0">
+            <a:spAutoFit/>
+          </a:bodyPr>
+          <a:lstStyle/>
+          <a:p>
+            <a:pPr marL="285750" indent="-285750">
+              <a:buFont typeface="Arial" pitchFamily="34" charset="0"/>
+              <a:buChar char="•"/>
+            </a:pPr>
+            <a:r>
+              <a:rPr lang="ru-RU" dirty="0"/>
+              <a:t>Разработка </a:t>
+            </a:r>
+            <a:r>
+              <a:rPr lang="en-US" dirty="0"/>
+              <a:t>Back-end</a:t>
+            </a:r>
+          </a:p>
+          <a:p>
+            <a:pPr marL="285750" indent="-285750">
+              <a:buFont typeface="Arial" pitchFamily="34" charset="0"/>
+              <a:buChar char="•"/>
+            </a:pPr>
+            <a:r>
+              <a:rPr lang="ru-RU" dirty="0"/>
+              <a:t>Презентация проекта</a:t>
+            </a:r>
+          </a:p>
+          <a:p>
+            <a:endParaRPr lang="ru-RU" dirty="0"/>
+          </a:p>
+        </p:txBody>
+      </p:sp>
+      <p:sp>
+        <p:nvSpPr>
+          <p:cNvPr id="10" name="TextBox 9"/>
+          <p:cNvSpPr txBox="1"/>
+          <p:nvPr/>
+        </p:nvSpPr>
+        <p:spPr>
+          <a:xfrm>
+            <a:off x="2425243" y="4899969"/>
+            <a:ext cx="6589764" cy="2031325"/>
+          </a:xfrm>
+          <a:prstGeom prst="rect">
+            <a:avLst/>
+          </a:prstGeom>
+          <a:noFill/>
+        </p:spPr>
+        <p:txBody>
+          <a:bodyPr wrap="square" rtlCol="0">
+            <a:spAutoFit/>
+          </a:bodyPr>
+          <a:lstStyle/>
+          <a:p>
+            <a:pPr marL="285750" indent="-285750">
+              <a:buFont typeface="Arial" pitchFamily="34" charset="0"/>
+              <a:buChar char="•"/>
+            </a:pPr>
+            <a:r>
+              <a:rPr lang="ru-RU" dirty="0"/>
+              <a:t>Отчётный документ</a:t>
+            </a:r>
+          </a:p>
+          <a:p>
+            <a:pPr marL="285750" indent="-285750">
+              <a:buFont typeface="Arial" pitchFamily="34" charset="0"/>
+              <a:buChar char="•"/>
+            </a:pPr>
+            <a:r>
+              <a:rPr lang="ru-RU" dirty="0"/>
+              <a:t>Все диаграммы(прецедентов, классов, объектов, последовательностей, взаимодействий, состояний, активностей, развёртываний)</a:t>
+            </a:r>
+          </a:p>
+          <a:p>
+            <a:pPr marL="285750" indent="-285750">
+              <a:buFont typeface="Arial" pitchFamily="34" charset="0"/>
+              <a:buChar char="•"/>
+            </a:pPr>
+            <a:r>
+              <a:rPr lang="ru-RU" dirty="0"/>
+              <a:t>Разработка </a:t>
+            </a:r>
+            <a:r>
+              <a:rPr lang="en-US" dirty="0"/>
+              <a:t>Back-end</a:t>
+            </a:r>
+            <a:endParaRPr lang="ru-RU" dirty="0"/>
+          </a:p>
+          <a:p>
+            <a:pPr marL="285750" indent="-285750">
+              <a:buFont typeface="Arial" pitchFamily="34" charset="0"/>
+              <a:buChar char="•"/>
+            </a:pPr>
+            <a:r>
+              <a:rPr lang="en-US" dirty="0"/>
+              <a:t>Swagger</a:t>
+            </a:r>
+            <a:endParaRPr lang="ru-RU" dirty="0"/>
+          </a:p>
+          <a:p>
+            <a:pPr marL="285750" indent="-285750">
+              <a:buFont typeface="Arial" pitchFamily="34" charset="0"/>
+              <a:buChar char="•"/>
+            </a:pPr>
+            <a:endParaRPr lang="ru-RU" dirty="0"/>
+          </a:p>
+        </p:txBody>
+      </p:sp>
+      <p:sp>
+        <p:nvSpPr>
+          <p:cNvPr id="12" name="Номер слайда 11"/>
+          <p:cNvSpPr>
+            <a:spLocks noGrp="1"/>
+          </p:cNvSpPr>
+          <p:nvPr>
+            <p:ph type="sldNum" sz="quarter" idx="12"/>
+          </p:nvPr>
+        </p:nvSpPr>
+        <p:spPr/>
+        <p:txBody>
+          <a:bodyPr/>
+          <a:lstStyle/>
+          <a:p>
+            <a:fld id="{3BC66433-80E7-4A65-960F-4358DEF65F03}" type="slidenum">
+              <a:rPr lang="ru-RU" sz="2000" smtClean="0">
+                <a:solidFill>
+                  <a:schemeClr val="tx1"/>
+                </a:solidFill>
+              </a:rPr>
+              <a:t>2</a:t>
+            </a:fld>
+            <a:endParaRPr lang="ru-RU" sz="2000" dirty="0">
+              <a:solidFill>
+                <a:schemeClr val="tx1"/>
+              </a:solidFill>
+            </a:endParaRPr>
+          </a:p>
+        </p:txBody>
+      </p:sp>
+    </p:spTree>
+    <p:extLst>
+      <p:ext uri="{BB962C8B-B14F-4D97-AF65-F5344CB8AC3E}">
+        <p14:creationId xmlns:p14="http://schemas.microsoft.com/office/powerpoint/2010/main" val="552994516"/>
+      </p:ext>
+    </p:extLst>
+  </p:cSld>
+  <p:clrMapOvr>
+    <a:masterClrMapping/>
+  </p:clrMapOvr>
+</p:sld>
+</file>
+
+<file path=ppt/slides/slide20.xml><?xml version="1.0" encoding="utf-8"?>
+<p:sld xmlns:a="http://schemas.openxmlformats.org/drawingml/2006/main" xmlns:r="http://schemas.openxmlformats.org/officeDocument/2006/relationships" xmlns:p="http://schemas.openxmlformats.org/presentationml/2006/main">
+  <p:cSld>
+    <p:spTree>
+      <p:nvGrpSpPr>
+        <p:cNvPr id="1" name=""/>
+        <p:cNvGrpSpPr/>
+        <p:nvPr/>
+      </p:nvGrpSpPr>
+      <p:grpSpPr>
+        <a:xfrm>
+          <a:off x="0" y="0"/>
+          <a:ext cx="0" cy="0"/>
+          <a:chOff x="0" y="0"/>
+          <a:chExt cx="0" cy="0"/>
+        </a:xfrm>
+      </p:grpSpPr>
+      <p:sp>
+        <p:nvSpPr>
+          <p:cNvPr id="2" name="Заголовок 1"/>
+          <p:cNvSpPr>
+            <a:spLocks noGrp="1"/>
+          </p:cNvSpPr>
+          <p:nvPr>
+            <p:ph type="title"/>
+          </p:nvPr>
+        </p:nvSpPr>
         <p:spPr/>
         <p:txBody>
           <a:bodyPr/>
@@ -4878,7 +5619,7 @@
                   <a:schemeClr val="tx1"/>
                 </a:solidFill>
               </a:rPr>
-              <a:t>18</a:t>
+              <a:t>20</a:t>
             </a:fld>
             <a:endParaRPr lang="ru-RU" sz="2000" dirty="0">
               <a:solidFill>
@@ -4901,7 +5642,7 @@
 </p:sld>
 </file>
 
-<file path=ppt/slides/slide19.xml><?xml version="1.0" encoding="utf-8"?>
+<file path=ppt/slides/slide21.xml><?xml version="1.0" encoding="utf-8"?>
 <p:sld xmlns:a="http://schemas.openxmlformats.org/drawingml/2006/main" xmlns:r="http://schemas.openxmlformats.org/officeDocument/2006/relationships" xmlns:p="http://schemas.openxmlformats.org/presentationml/2006/main">
   <p:cSld>
     <p:spTree>
@@ -5058,477 +5799,6 @@
     <p:extLst>
       <p:ext uri="{BB962C8B-B14F-4D97-AF65-F5344CB8AC3E}">
         <p14:creationId xmlns:p14="http://schemas.microsoft.com/office/powerpoint/2010/main" val="2137690908"/>
-      </p:ext>
-    </p:extLst>
-  </p:cSld>
-  <p:clrMapOvr>
-    <a:masterClrMapping/>
-  </p:clrMapOvr>
-</p:sld>
-</file>
-
-<file path=ppt/slides/slide2.xml><?xml version="1.0" encoding="utf-8"?>
-<p:sld xmlns:a="http://schemas.openxmlformats.org/drawingml/2006/main" xmlns:r="http://schemas.openxmlformats.org/officeDocument/2006/relationships" xmlns:p="http://schemas.openxmlformats.org/presentationml/2006/main">
-  <p:cSld>
-    <p:spTree>
-      <p:nvGrpSpPr>
-        <p:cNvPr id="1" name=""/>
-        <p:cNvGrpSpPr/>
-        <p:nvPr/>
-      </p:nvGrpSpPr>
-      <p:grpSpPr>
-        <a:xfrm>
-          <a:off x="0" y="0"/>
-          <a:ext cx="0" cy="0"/>
-          <a:chOff x="0" y="0"/>
-          <a:chExt cx="0" cy="0"/>
-        </a:xfrm>
-      </p:grpSpPr>
-      <p:sp>
-        <p:nvSpPr>
-          <p:cNvPr id="2" name="Заголовок 1"/>
-          <p:cNvSpPr>
-            <a:spLocks noGrp="1"/>
-          </p:cNvSpPr>
-          <p:nvPr>
-            <p:ph type="title"/>
-          </p:nvPr>
-        </p:nvSpPr>
-        <p:spPr>
-          <a:xfrm>
-            <a:off x="853174" y="116632"/>
-            <a:ext cx="7488832" cy="782960"/>
-          </a:xfrm>
-        </p:spPr>
-        <p:txBody>
-          <a:bodyPr/>
-          <a:lstStyle/>
-          <a:p>
-            <a:r>
-              <a:rPr lang="ru-RU" dirty="0"/>
-              <a:t>Распределение обязанностей</a:t>
-            </a:r>
-          </a:p>
-        </p:txBody>
-      </p:sp>
-      <p:sp>
-        <p:nvSpPr>
-          <p:cNvPr id="3" name="TextBox 2"/>
-          <p:cNvSpPr txBox="1"/>
-          <p:nvPr/>
-        </p:nvSpPr>
-        <p:spPr>
-          <a:xfrm>
-            <a:off x="101976" y="1412776"/>
-            <a:ext cx="2590774" cy="646331"/>
-          </a:xfrm>
-          <a:prstGeom prst="rect">
-            <a:avLst/>
-          </a:prstGeom>
-          <a:noFill/>
-        </p:spPr>
-        <p:txBody>
-          <a:bodyPr wrap="square" rtlCol="0">
-            <a:spAutoFit/>
-          </a:bodyPr>
-          <a:lstStyle/>
-          <a:p>
-            <a:r>
-              <a:rPr lang="ru-RU" b="1" dirty="0"/>
-              <a:t>Смирнов Александр:</a:t>
-            </a:r>
-          </a:p>
-          <a:p>
-            <a:pPr marL="285750" indent="-285750">
-              <a:buFont typeface="Arial" pitchFamily="34" charset="0"/>
-              <a:buChar char="•"/>
-            </a:pPr>
-            <a:endParaRPr lang="ru-RU" dirty="0"/>
-          </a:p>
-        </p:txBody>
-      </p:sp>
-      <p:sp>
-        <p:nvSpPr>
-          <p:cNvPr id="4" name="TextBox 3"/>
-          <p:cNvSpPr txBox="1"/>
-          <p:nvPr/>
-        </p:nvSpPr>
-        <p:spPr>
-          <a:xfrm>
-            <a:off x="53815" y="3140968"/>
-            <a:ext cx="2397772" cy="369332"/>
-          </a:xfrm>
-          <a:prstGeom prst="rect">
-            <a:avLst/>
-          </a:prstGeom>
-          <a:noFill/>
-        </p:spPr>
-        <p:txBody>
-          <a:bodyPr wrap="none" rtlCol="0">
-            <a:spAutoFit/>
-          </a:bodyPr>
-          <a:lstStyle/>
-          <a:p>
-            <a:r>
-              <a:rPr lang="ru-RU" b="1" dirty="0"/>
-              <a:t>Железной Александр:</a:t>
-            </a:r>
-          </a:p>
-        </p:txBody>
-      </p:sp>
-      <p:sp>
-        <p:nvSpPr>
-          <p:cNvPr id="5" name="TextBox 4"/>
-          <p:cNvSpPr txBox="1"/>
-          <p:nvPr/>
-        </p:nvSpPr>
-        <p:spPr>
-          <a:xfrm>
-            <a:off x="101976" y="4899969"/>
-            <a:ext cx="2041777" cy="369332"/>
-          </a:xfrm>
-          <a:prstGeom prst="rect">
-            <a:avLst/>
-          </a:prstGeom>
-          <a:noFill/>
-        </p:spPr>
-        <p:txBody>
-          <a:bodyPr wrap="none" rtlCol="0">
-            <a:spAutoFit/>
-          </a:bodyPr>
-          <a:lstStyle/>
-          <a:p>
-            <a:r>
-              <a:rPr lang="ru-RU" b="1" dirty="0"/>
-              <a:t>Шаталов Арсений:</a:t>
-            </a:r>
-          </a:p>
-        </p:txBody>
-      </p:sp>
-      <p:sp>
-        <p:nvSpPr>
-          <p:cNvPr id="6" name="TextBox 5"/>
-          <p:cNvSpPr txBox="1"/>
-          <p:nvPr/>
-        </p:nvSpPr>
-        <p:spPr>
-          <a:xfrm>
-            <a:off x="5610737" y="1344441"/>
-            <a:ext cx="2563843" cy="923330"/>
-          </a:xfrm>
-          <a:prstGeom prst="rect">
-            <a:avLst/>
-          </a:prstGeom>
-          <a:noFill/>
-        </p:spPr>
-        <p:txBody>
-          <a:bodyPr wrap="none" rtlCol="0">
-            <a:spAutoFit/>
-          </a:bodyPr>
-          <a:lstStyle/>
-          <a:p>
-            <a:pPr marL="285750" indent="-285750">
-              <a:buFont typeface="Arial" pitchFamily="34" charset="0"/>
-              <a:buChar char="•"/>
-            </a:pPr>
-            <a:r>
-              <a:rPr lang="ru-RU" dirty="0"/>
-              <a:t>Разработка</a:t>
-            </a:r>
-            <a:r>
-              <a:rPr lang="en-US" dirty="0"/>
-              <a:t> Front-end</a:t>
-            </a:r>
-            <a:endParaRPr lang="ru-RU" dirty="0"/>
-          </a:p>
-          <a:p>
-            <a:pPr marL="285750" indent="-285750">
-              <a:buFont typeface="Arial" pitchFamily="34" charset="0"/>
-              <a:buChar char="•"/>
-            </a:pPr>
-            <a:r>
-              <a:rPr lang="ru-RU" dirty="0"/>
-              <a:t>Демо-видео проекта</a:t>
-            </a:r>
-          </a:p>
-          <a:p>
-            <a:endParaRPr lang="ru-RU" dirty="0"/>
-          </a:p>
-        </p:txBody>
-      </p:sp>
-      <p:sp>
-        <p:nvSpPr>
-          <p:cNvPr id="7" name="TextBox 6"/>
-          <p:cNvSpPr txBox="1"/>
-          <p:nvPr/>
-        </p:nvSpPr>
-        <p:spPr>
-          <a:xfrm>
-            <a:off x="2425243" y="1344441"/>
-            <a:ext cx="3274743" cy="1200329"/>
-          </a:xfrm>
-          <a:prstGeom prst="rect">
-            <a:avLst/>
-          </a:prstGeom>
-          <a:noFill/>
-        </p:spPr>
-        <p:txBody>
-          <a:bodyPr wrap="none" rtlCol="0">
-            <a:spAutoFit/>
-          </a:bodyPr>
-          <a:lstStyle/>
-          <a:p>
-            <a:pPr marL="285750" indent="-285750">
-              <a:buFont typeface="Arial" pitchFamily="34" charset="0"/>
-              <a:buChar char="•"/>
-            </a:pPr>
-            <a:r>
-              <a:rPr lang="ru-RU" dirty="0"/>
-              <a:t>Анализ предметной области</a:t>
-            </a:r>
-          </a:p>
-          <a:p>
-            <a:pPr marL="285750" indent="-285750">
-              <a:buFont typeface="Arial" pitchFamily="34" charset="0"/>
-              <a:buChar char="•"/>
-            </a:pPr>
-            <a:r>
-              <a:rPr lang="ru-RU" dirty="0"/>
-              <a:t>Разработка базы данных</a:t>
-            </a:r>
-          </a:p>
-          <a:p>
-            <a:pPr marL="285750" indent="-285750">
-              <a:buFont typeface="Arial" pitchFamily="34" charset="0"/>
-              <a:buChar char="•"/>
-            </a:pPr>
-            <a:r>
-              <a:rPr lang="ru-RU" dirty="0"/>
-              <a:t>Тестирование</a:t>
-            </a:r>
-          </a:p>
-          <a:p>
-            <a:endParaRPr lang="ru-RU" dirty="0"/>
-          </a:p>
-        </p:txBody>
-      </p:sp>
-      <p:sp>
-        <p:nvSpPr>
-          <p:cNvPr id="8" name="TextBox 7"/>
-          <p:cNvSpPr txBox="1"/>
-          <p:nvPr/>
-        </p:nvSpPr>
-        <p:spPr>
-          <a:xfrm>
-            <a:off x="2452259" y="3046894"/>
-            <a:ext cx="3158478" cy="1200329"/>
-          </a:xfrm>
-          <a:prstGeom prst="rect">
-            <a:avLst/>
-          </a:prstGeom>
-          <a:noFill/>
-        </p:spPr>
-        <p:txBody>
-          <a:bodyPr wrap="square" rtlCol="0">
-            <a:spAutoFit/>
-          </a:bodyPr>
-          <a:lstStyle/>
-          <a:p>
-            <a:pPr marL="285750" indent="-285750">
-              <a:buFont typeface="Arial" pitchFamily="34" charset="0"/>
-              <a:buChar char="•"/>
-            </a:pPr>
-            <a:r>
-              <a:rPr lang="ru-RU" dirty="0"/>
-              <a:t>Техническое задание</a:t>
-            </a:r>
-          </a:p>
-          <a:p>
-            <a:pPr marL="285750" indent="-285750">
-              <a:buFont typeface="Arial" pitchFamily="34" charset="0"/>
-              <a:buChar char="•"/>
-            </a:pPr>
-            <a:r>
-              <a:rPr lang="ru-RU" dirty="0"/>
-              <a:t>Оформление курсовой</a:t>
-            </a:r>
-          </a:p>
-          <a:p>
-            <a:pPr marL="285750" indent="-285750">
-              <a:buFont typeface="Arial" pitchFamily="34" charset="0"/>
-              <a:buChar char="•"/>
-            </a:pPr>
-            <a:r>
-              <a:rPr lang="ru-RU" dirty="0"/>
-              <a:t>Текст курсовой работы</a:t>
-            </a:r>
-          </a:p>
-          <a:p>
-            <a:endParaRPr lang="ru-RU" dirty="0"/>
-          </a:p>
-        </p:txBody>
-      </p:sp>
-      <p:sp>
-        <p:nvSpPr>
-          <p:cNvPr id="9" name="TextBox 8"/>
-          <p:cNvSpPr txBox="1"/>
-          <p:nvPr/>
-        </p:nvSpPr>
-        <p:spPr>
-          <a:xfrm>
-            <a:off x="5633444" y="3046894"/>
-            <a:ext cx="2590774" cy="923330"/>
-          </a:xfrm>
-          <a:prstGeom prst="rect">
-            <a:avLst/>
-          </a:prstGeom>
-          <a:noFill/>
-        </p:spPr>
-        <p:txBody>
-          <a:bodyPr wrap="none" rtlCol="0">
-            <a:spAutoFit/>
-          </a:bodyPr>
-          <a:lstStyle/>
-          <a:p>
-            <a:pPr marL="285750" indent="-285750">
-              <a:buFont typeface="Arial" pitchFamily="34" charset="0"/>
-              <a:buChar char="•"/>
-            </a:pPr>
-            <a:r>
-              <a:rPr lang="ru-RU" dirty="0"/>
-              <a:t>Разработка </a:t>
-            </a:r>
-            <a:r>
-              <a:rPr lang="en-US" dirty="0"/>
-              <a:t>Back-end</a:t>
-            </a:r>
-          </a:p>
-          <a:p>
-            <a:pPr marL="285750" indent="-285750">
-              <a:buFont typeface="Arial" pitchFamily="34" charset="0"/>
-              <a:buChar char="•"/>
-            </a:pPr>
-            <a:r>
-              <a:rPr lang="ru-RU" dirty="0"/>
-              <a:t>Презентация проекта</a:t>
-            </a:r>
-          </a:p>
-          <a:p>
-            <a:endParaRPr lang="ru-RU" dirty="0"/>
-          </a:p>
-        </p:txBody>
-      </p:sp>
-      <p:sp>
-        <p:nvSpPr>
-          <p:cNvPr id="10" name="TextBox 9"/>
-          <p:cNvSpPr txBox="1"/>
-          <p:nvPr/>
-        </p:nvSpPr>
-        <p:spPr>
-          <a:xfrm>
-            <a:off x="2425243" y="4899969"/>
-            <a:ext cx="6589764" cy="2031325"/>
-          </a:xfrm>
-          <a:prstGeom prst="rect">
-            <a:avLst/>
-          </a:prstGeom>
-          <a:noFill/>
-        </p:spPr>
-        <p:txBody>
-          <a:bodyPr wrap="square" rtlCol="0">
-            <a:spAutoFit/>
-          </a:bodyPr>
-          <a:lstStyle/>
-          <a:p>
-            <a:pPr marL="285750" indent="-285750">
-              <a:buFont typeface="Arial" pitchFamily="34" charset="0"/>
-              <a:buChar char="•"/>
-            </a:pPr>
-            <a:r>
-              <a:rPr lang="ru-RU" dirty="0"/>
-              <a:t>Отчётный документ</a:t>
-            </a:r>
-          </a:p>
-          <a:p>
-            <a:pPr marL="285750" indent="-285750">
-              <a:buFont typeface="Arial" pitchFamily="34" charset="0"/>
-              <a:buChar char="•"/>
-            </a:pPr>
-            <a:r>
-              <a:rPr lang="ru-RU" dirty="0"/>
-              <a:t>Все диаграммы(прецедентов, классов, объектов, последовательностей, взаимодействий, состояний, активностей, развёртываний)</a:t>
-            </a:r>
-          </a:p>
-          <a:p>
-            <a:pPr marL="285750" indent="-285750">
-              <a:buFont typeface="Arial" pitchFamily="34" charset="0"/>
-              <a:buChar char="•"/>
-            </a:pPr>
-            <a:r>
-              <a:rPr lang="ru-RU" dirty="0"/>
-              <a:t>Разработка </a:t>
-            </a:r>
-            <a:r>
-              <a:rPr lang="en-US" dirty="0"/>
-              <a:t>Back-end</a:t>
-            </a:r>
-            <a:endParaRPr lang="ru-RU" dirty="0"/>
-          </a:p>
-          <a:p>
-            <a:pPr marL="285750" indent="-285750">
-              <a:buFont typeface="Arial" pitchFamily="34" charset="0"/>
-              <a:buChar char="•"/>
-            </a:pPr>
-            <a:r>
-              <a:rPr lang="en-US" dirty="0"/>
-              <a:t>Swagger</a:t>
-            </a:r>
-            <a:endParaRPr lang="ru-RU" dirty="0"/>
-          </a:p>
-          <a:p>
-            <a:pPr marL="285750" indent="-285750">
-              <a:buFont typeface="Arial" pitchFamily="34" charset="0"/>
-              <a:buChar char="•"/>
-            </a:pPr>
-            <a:endParaRPr lang="ru-RU" dirty="0"/>
-          </a:p>
-        </p:txBody>
-      </p:sp>
-      <p:sp>
-        <p:nvSpPr>
-          <p:cNvPr id="12" name="Номер слайда 11"/>
-          <p:cNvSpPr>
-            <a:spLocks noGrp="1"/>
-          </p:cNvSpPr>
-          <p:nvPr>
-            <p:ph type="sldNum" sz="quarter" idx="12"/>
-          </p:nvPr>
-        </p:nvSpPr>
-        <p:spPr/>
-        <p:txBody>
-          <a:bodyPr/>
-          <a:lstStyle/>
-          <a:p>
-            <a:fld id="{3BC66433-80E7-4A65-960F-4358DEF65F03}" type="slidenum">
-              <a:rPr lang="ru-RU" sz="2000" smtClean="0">
-                <a:solidFill>
-                  <a:schemeClr val="tx1"/>
-                </a:solidFill>
-              </a:rPr>
-              <a:t>2</a:t>
-            </a:fld>
-            <a:endParaRPr lang="ru-RU" sz="2000" dirty="0">
-              <a:solidFill>
-                <a:schemeClr val="tx1"/>
-              </a:solidFill>
-            </a:endParaRPr>
-          </a:p>
-        </p:txBody>
-      </p:sp>
-    </p:spTree>
-    <p:extLst>
-      <p:ext uri="{BB962C8B-B14F-4D97-AF65-F5344CB8AC3E}">
-        <p14:creationId xmlns:p14="http://schemas.microsoft.com/office/powerpoint/2010/main" val="552994516"/>
       </p:ext>
     </p:extLst>
   </p:cSld>
@@ -6722,6 +6992,53 @@
           </a:p>
         </p:txBody>
       </p:sp>
+      <p:pic>
+        <p:nvPicPr>
+          <p:cNvPr id="1026" name="Picture 2">
+            <a:extLst>
+              <a:ext uri="{FF2B5EF4-FFF2-40B4-BE49-F238E27FC236}">
+                <a16:creationId xmlns:a16="http://schemas.microsoft.com/office/drawing/2014/main" id="{BC1AD41A-65E6-41CB-99E8-60463662CE64}"/>
+              </a:ext>
+            </a:extLst>
+          </p:cNvPr>
+          <p:cNvPicPr>
+            <a:picLocks noChangeAspect="1" noChangeArrowheads="1"/>
+          </p:cNvPicPr>
+          <p:nvPr/>
+        </p:nvPicPr>
+        <p:blipFill>
+          <a:blip r:embed="rId2">
+            <a:extLst>
+              <a:ext uri="{28A0092B-C50C-407E-A947-70E740481C1C}">
+                <a14:useLocalDpi xmlns:a14="http://schemas.microsoft.com/office/drawing/2010/main" val="0"/>
+              </a:ext>
+            </a:extLst>
+          </a:blip>
+          <a:srcRect/>
+          <a:stretch>
+            <a:fillRect/>
+          </a:stretch>
+        </p:blipFill>
+        <p:spPr bwMode="auto">
+          <a:xfrm>
+            <a:off x="0" y="1593850"/>
+            <a:ext cx="9144000" cy="3670300"/>
+          </a:xfrm>
+          <a:prstGeom prst="rect">
+            <a:avLst/>
+          </a:prstGeom>
+          <a:noFill/>
+          <a:extLst>
+            <a:ext uri="{909E8E84-426E-40DD-AFC4-6F175D3DCCD1}">
+              <a14:hiddenFill xmlns:a14="http://schemas.microsoft.com/office/drawing/2010/main">
+                <a:solidFill>
+                  <a:srgbClr val="FFFFFF"/>
+                </a:solidFill>
+              </a14:hiddenFill>
+            </a:ext>
+          </a:extLst>
+        </p:spPr>
+      </p:pic>
     </p:spTree>
     <p:extLst>
       <p:ext uri="{BB962C8B-B14F-4D97-AF65-F5344CB8AC3E}">

--- a/Documentation/Презентация ITime Last Version.pptx
+++ b/Documentation/Презентация ITime Last Version.pptx
@@ -6053,7 +6053,7 @@
         <p:spPr>
           <a:xfrm>
             <a:off x="568670" y="1288217"/>
-            <a:ext cx="8280920" cy="2862322"/>
+            <a:ext cx="8280920" cy="1754326"/>
           </a:xfrm>
           <a:prstGeom prst="rect">
             <a:avLst/>
@@ -6069,67 +6069,77 @@
             <a:pPr lvl="0"/>
             <a:r>
               <a:rPr lang="ru-RU" dirty="0"/>
-              <a:t>Задачи:</a:t>
-            </a:r>
-          </a:p>
-          <a:p>
-            <a:pPr marL="285750" lvl="0" indent="-285750">
+              <a:t>В данной работе были решены основные задачи:</a:t>
+            </a:r>
+          </a:p>
+          <a:p>
+            <a:pPr marL="285750" indent="-285750">
               <a:buFont typeface="Arial" panose="020B0604020202020204" pitchFamily="34" charset="0"/>
               <a:buChar char="•"/>
             </a:pPr>
             <a:r>
               <a:rPr lang="ru-RU" dirty="0"/>
-              <a:t>Стабильная работа на современных веб-браузерах,</a:t>
-            </a:r>
-          </a:p>
-          <a:p>
-            <a:pPr marL="285750" lvl="0" indent="-285750">
+              <a:t>авторизация</a:t>
+            </a:r>
+            <a:r>
+              <a:rPr lang="en-US" dirty="0"/>
+              <a:t>;</a:t>
+            </a:r>
+            <a:endParaRPr lang="ru-RU" dirty="0"/>
+          </a:p>
+          <a:p>
+            <a:pPr marL="285750" indent="-285750">
               <a:buFont typeface="Arial" panose="020B0604020202020204" pitchFamily="34" charset="0"/>
               <a:buChar char="•"/>
             </a:pPr>
             <a:r>
               <a:rPr lang="ru-RU" dirty="0"/>
-              <a:t>сдержанный внешний вид, выдержанный в едином стиле,</a:t>
-            </a:r>
-          </a:p>
-          <a:p>
-            <a:pPr marL="285750" lvl="0" indent="-285750">
+              <a:t>работа с календарем</a:t>
+            </a:r>
+            <a:r>
+              <a:rPr lang="en-US" dirty="0"/>
+              <a:t>;</a:t>
+            </a:r>
+            <a:endParaRPr lang="ru-RU" dirty="0"/>
+          </a:p>
+          <a:p>
+            <a:pPr marL="285750" indent="-285750">
               <a:buFont typeface="Arial" panose="020B0604020202020204" pitchFamily="34" charset="0"/>
               <a:buChar char="•"/>
             </a:pPr>
             <a:r>
               <a:rPr lang="ru-RU" dirty="0"/>
-              <a:t>отсутствие необходимости в справке для возможности осуществления основных задач:</a:t>
-            </a:r>
-          </a:p>
-          <a:p>
+              <a:t>учет времени</a:t>
+            </a:r>
+            <a:r>
+              <a:rPr lang="en-US" dirty="0"/>
+              <a:t>;</a:t>
+            </a:r>
+            <a:endParaRPr lang="ru-RU" dirty="0"/>
+          </a:p>
+          <a:p>
+            <a:pPr marL="285750" indent="-285750">
+              <a:buFont typeface="Arial" panose="020B0604020202020204" pitchFamily="34" charset="0"/>
+              <a:buChar char="•"/>
+            </a:pPr>
             <a:r>
               <a:rPr lang="ru-RU" dirty="0"/>
-              <a:t>	1) авторизация,</a:t>
-            </a:r>
-          </a:p>
-          <a:p>
+              <a:t>администрирование проектов и задач</a:t>
+            </a:r>
+            <a:r>
+              <a:rPr lang="en-US" dirty="0"/>
+              <a:t>;</a:t>
+            </a:r>
+            <a:endParaRPr lang="ru-RU" dirty="0"/>
+          </a:p>
+          <a:p>
+            <a:pPr marL="285750" indent="-285750">
+              <a:buFont typeface="Arial" panose="020B0604020202020204" pitchFamily="34" charset="0"/>
+              <a:buChar char="•"/>
+            </a:pPr>
             <a:r>
               <a:rPr lang="ru-RU" dirty="0"/>
-              <a:t>	2) работа с календарем,</a:t>
-            </a:r>
-          </a:p>
-          <a:p>
-            <a:r>
-              <a:rPr lang="ru-RU" dirty="0"/>
-              <a:t>	3) учет времени,</a:t>
-            </a:r>
-          </a:p>
-          <a:p>
-            <a:r>
-              <a:rPr lang="ru-RU" dirty="0"/>
-              <a:t>	4) администрирование проектов и задач,</a:t>
-            </a:r>
-          </a:p>
-          <a:p>
-            <a:r>
-              <a:rPr lang="ru-RU" dirty="0"/>
-              <a:t>	5) редактирование информации в личном кабинете.</a:t>
+              <a:t>редактирование информации в личном кабинете.</a:t>
             </a:r>
           </a:p>
         </p:txBody>
@@ -6213,8 +6223,13 @@
             </a:r>
             <a:r>
               <a:rPr lang="ru-RU" dirty="0"/>
-              <a:t> части сайта,</a:t>
-            </a:r>
+              <a:t> части сайта</a:t>
+            </a:r>
+            <a:r>
+              <a:rPr lang="en-US" dirty="0"/>
+              <a:t>;</a:t>
+            </a:r>
+            <a:endParaRPr lang="ru-RU" dirty="0"/>
           </a:p>
           <a:p>
             <a:pPr marL="285750" indent="-285750">
@@ -6231,8 +6246,13 @@
             </a:r>
             <a:r>
               <a:rPr lang="ru-RU" dirty="0"/>
-              <a:t> части сайта,</a:t>
-            </a:r>
+              <a:t> части сайта</a:t>
+            </a:r>
+            <a:r>
+              <a:rPr lang="en-US" dirty="0"/>
+              <a:t>;</a:t>
+            </a:r>
+            <a:endParaRPr lang="ru-RU" dirty="0"/>
           </a:p>
           <a:p>
             <a:pPr marL="285750" indent="-285750">
@@ -6257,8 +6277,13 @@
             </a:r>
             <a:r>
               <a:rPr lang="ru-RU" dirty="0"/>
-              <a:t> частями сайта,</a:t>
-            </a:r>
+              <a:t> частями сайта</a:t>
+            </a:r>
+            <a:r>
+              <a:rPr lang="en-US" dirty="0"/>
+              <a:t>;</a:t>
+            </a:r>
+            <a:endParaRPr lang="ru-RU" dirty="0"/>
           </a:p>
           <a:p>
             <a:pPr marL="285750" indent="-285750">
@@ -6413,7 +6438,7 @@
           <a:p>
             <a:r>
               <a:rPr lang="ru-RU" dirty="0"/>
-              <a:t>Использованные технологии</a:t>
+              <a:t>Средства реализации</a:t>
             </a:r>
           </a:p>
         </p:txBody>
@@ -6527,6 +6552,53 @@
           <a:xfrm>
             <a:off x="5172187" y="1657388"/>
             <a:ext cx="2721061" cy="2780928"/>
+          </a:xfrm>
+          <a:prstGeom prst="rect">
+            <a:avLst/>
+          </a:prstGeom>
+          <a:noFill/>
+          <a:extLst>
+            <a:ext uri="{909E8E84-426E-40DD-AFC4-6F175D3DCCD1}">
+              <a14:hiddenFill xmlns:a14="http://schemas.microsoft.com/office/drawing/2010/main">
+                <a:solidFill>
+                  <a:srgbClr val="FFFFFF"/>
+                </a:solidFill>
+              </a14:hiddenFill>
+            </a:ext>
+          </a:extLst>
+        </p:spPr>
+      </p:pic>
+      <p:pic>
+        <p:nvPicPr>
+          <p:cNvPr id="3" name="Picture 2">
+            <a:extLst>
+              <a:ext uri="{FF2B5EF4-FFF2-40B4-BE49-F238E27FC236}">
+                <a16:creationId xmlns:a16="http://schemas.microsoft.com/office/drawing/2014/main" id="{31C3391C-3E4E-4A57-BE14-4BEDA875B3FC}"/>
+              </a:ext>
+            </a:extLst>
+          </p:cNvPr>
+          <p:cNvPicPr>
+            <a:picLocks noChangeAspect="1" noChangeArrowheads="1"/>
+          </p:cNvPicPr>
+          <p:nvPr/>
+        </p:nvPicPr>
+        <p:blipFill>
+          <a:blip r:embed="rId6" cstate="print">
+            <a:extLst>
+              <a:ext uri="{28A0092B-C50C-407E-A947-70E740481C1C}">
+                <a14:useLocalDpi xmlns:a14="http://schemas.microsoft.com/office/drawing/2010/main" val="0"/>
+              </a:ext>
+            </a:extLst>
+          </a:blip>
+          <a:srcRect/>
+          <a:stretch>
+            <a:fillRect/>
+          </a:stretch>
+        </p:blipFill>
+        <p:spPr bwMode="auto">
+          <a:xfrm>
+            <a:off x="827584" y="4434039"/>
+            <a:ext cx="1809328" cy="1809328"/>
           </a:xfrm>
           <a:prstGeom prst="rect">
             <a:avLst/>
